--- a/Healthcare Fraud.pptx
+++ b/Healthcare Fraud.pptx
@@ -1185,7 +1185,38 @@
             </a:pPr>
             <a:r>
               <a:rPr lang="en"/>
-              <a:t>Lastly, I looked into provider specific trends to see if there was some characteristic would indicate fraud. Here we see the </a:t>
+              <a:t>Lastly, I looked into provider specific trends to see if there was some characteristic amongst fraudulent providers that we can extrapolate that would be useful information for insurance companies to be aware of.</a:t>
+            </a:r>
+            <a:endParaRPr/>
+          </a:p>
+          <a:p>
+            <a:pPr indent="0" lvl="0" marL="0" rtl="0" algn="l">
+              <a:spcBef>
+                <a:spcPts val="0"/>
+              </a:spcBef>
+              <a:spcAft>
+                <a:spcPts val="0"/>
+              </a:spcAft>
+              <a:buNone/>
+            </a:pPr>
+            <a:r>
+              <a:t/>
+            </a:r>
+            <a:endParaRPr/>
+          </a:p>
+          <a:p>
+            <a:pPr indent="0" lvl="0" marL="0" rtl="0" algn="l">
+              <a:spcBef>
+                <a:spcPts val="0"/>
+              </a:spcBef>
+              <a:spcAft>
+                <a:spcPts val="0"/>
+              </a:spcAft>
+              <a:buNone/>
+            </a:pPr>
+            <a:r>
+              <a:rPr lang="en"/>
+              <a:t>Here we see the </a:t>
             </a:r>
             <a:r>
               <a:rPr lang="en"/>
@@ -1293,7 +1324,7 @@
             </a:pPr>
             <a:r>
               <a:rPr lang="en"/>
-              <a:t>And then looking at the claims for each patient, I looked for instances where a patient had more than 1 claim that was for the same amount and added up per provider how many patients they charged the same amount more that once.</a:t>
+              <a:t>I then looked for a different type of duplicate claims.  Specifically, instances where a provider charged a patient twice for the same amount.  For example, if provider A charged patient B $5,000 in two separate claims.  There could be valid reasons for this, for instance, if the patient had the same procedure done twice, or 2 different procedures that happen to cost the same amount but it also could be an indication that the provider is faking patient claims, especially if it happens a lot.</a:t>
             </a:r>
             <a:endParaRPr/>
           </a:p>
@@ -1324,15 +1355,46 @@
             </a:pPr>
             <a:r>
               <a:rPr lang="en"/>
-              <a:t>The chart here shows the top 100 providers who had the most amount of duplicate patient claims by claim amount. The x axis here is by rank so the first point is the #1 provider who had almost 700 different patients with duplicate claims. Not all instances where a patient gets billed twice is fake, perhaps the </a:t>
-            </a:r>
+              <a:t>The chart here shows the top 100 providers who had the most duplicate claims of this type.   The x axis here is by rank so the first point is the #1 provider who had almost 700 different patients with duplicate claims. </a:t>
+            </a:r>
+            <a:endParaRPr/>
+          </a:p>
+          <a:p>
+            <a:pPr indent="0" lvl="0" marL="0" rtl="0" algn="l">
+              <a:spcBef>
+                <a:spcPts val="0"/>
+              </a:spcBef>
+              <a:spcAft>
+                <a:spcPts val="0"/>
+              </a:spcAft>
+              <a:buNone/>
+            </a:pPr>
+            <a:r>
+              <a:t/>
+            </a:r>
+            <a:endParaRPr/>
+          </a:p>
+          <a:p>
+            <a:pPr indent="0" lvl="0" marL="0" rtl="0" algn="l">
+              <a:spcBef>
+                <a:spcPts val="0"/>
+              </a:spcBef>
+              <a:spcAft>
+                <a:spcPts val="0"/>
+              </a:spcAft>
+              <a:buNone/>
+            </a:pPr>
             <a:r>
               <a:rPr lang="en"/>
-              <a:t>patient</a:t>
+              <a:t>As you can, the providers with the most duplicate claims are all flagged for potential fraud.  This makes sense to me.  It is </a:t>
             </a:r>
             <a:r>
               <a:rPr lang="en"/>
-              <a:t> made 2 separate visits and they happen to cost the same amount but providers who have very high instances of this would indicate suspicious activity and I think this plot proves that point.</a:t>
+              <a:t>unlikely</a:t>
+            </a:r>
+            <a:r>
+              <a:rPr lang="en"/>
+              <a:t> that a single provider has a reason to duplicate claims on 700 different occasions, particularly when most providers hardly ever have duplicate claims.</a:t>
             </a:r>
             <a:endParaRPr/>
           </a:p>
@@ -1531,11 +1593,27 @@
             </a:pPr>
             <a:r>
               <a:rPr lang="en"/>
-              <a:t>T</a:t>
+              <a:t>Starting with a little </a:t>
             </a:r>
             <a:r>
               <a:rPr lang="en"/>
-              <a:t>he US healthcare industry is massive - </a:t>
+              <a:t>background and why this is an important issue - </a:t>
+            </a:r>
+            <a:r>
+              <a:rPr lang="en"/>
+              <a:t> T</a:t>
+            </a:r>
+            <a:r>
+              <a:rPr lang="en"/>
+              <a:t>he US healthcare industry is one of the </a:t>
+            </a:r>
+            <a:r>
+              <a:rPr lang="en"/>
+              <a:t>largest</a:t>
+            </a:r>
+            <a:r>
+              <a:rPr lang="en"/>
+              <a:t> in the country (in 2020, healthcare spending accounted for almost 20% of the country’s GDP) - </a:t>
             </a:r>
             <a:r>
               <a:rPr lang="en" u="sng">
@@ -1575,7 +1653,38 @@
             </a:pPr>
             <a:r>
               <a:rPr lang="en"/>
-              <a:t>It is an undisputed reality that some of these claims are fraudulent. Although they constitute only a small fraction, those fraudulent claims carry a very high price tag</a:t>
+              <a:t>It is an unfortunate reality that where there is money, there is fraudulent activity. And in healthcare, Although they make up a relatively small %, those fraudulent claims carry a very high price tag. In fact, it is estimated that losses due to fraud add $100 bill to annual cost of healthcare in the US.</a:t>
+            </a:r>
+            <a:endParaRPr/>
+          </a:p>
+          <a:p>
+            <a:pPr indent="0" lvl="0" marL="0" rtl="0" algn="l">
+              <a:spcBef>
+                <a:spcPts val="0"/>
+              </a:spcBef>
+              <a:spcAft>
+                <a:spcPts val="0"/>
+              </a:spcAft>
+              <a:buNone/>
+            </a:pPr>
+            <a:r>
+              <a:t/>
+            </a:r>
+            <a:endParaRPr/>
+          </a:p>
+          <a:p>
+            <a:pPr indent="0" lvl="0" marL="0" rtl="0" algn="l">
+              <a:spcBef>
+                <a:spcPts val="0"/>
+              </a:spcBef>
+              <a:spcAft>
+                <a:spcPts val="0"/>
+              </a:spcAft>
+              <a:buNone/>
+            </a:pPr>
+            <a:r>
+              <a:rPr lang="en"/>
+              <a:t>These actions are losses to everyone. And so this is a problem that is undoubtedly a substantial.</a:t>
             </a:r>
             <a:endParaRPr/>
           </a:p>
@@ -1764,17 +1873,202 @@
           </a:bodyPr>
           <a:lstStyle/>
           <a:p>
-            <a:pPr indent="0" lvl="0" marL="0" rtl="0" algn="l">
-              <a:spcBef>
-                <a:spcPts val="0"/>
-              </a:spcBef>
-              <a:spcAft>
-                <a:spcPts val="0"/>
-              </a:spcAft>
-              <a:buNone/>
+            <a:pPr indent="-317500" lvl="0" marL="457200" rtl="0" algn="l">
+              <a:lnSpc>
+                <a:spcPct val="115000"/>
+              </a:lnSpc>
+              <a:spcBef>
+                <a:spcPts val="0"/>
+              </a:spcBef>
+              <a:spcAft>
+                <a:spcPts val="0"/>
+              </a:spcAft>
+              <a:buClr>
+                <a:srgbClr val="595959"/>
+              </a:buClr>
+              <a:buSzPts val="1400"/>
+              <a:buFont typeface="Lato"/>
+              <a:buChar char="●"/>
             </a:pPr>
             <a:r>
-              <a:t/>
+              <a:rPr b="1" lang="en" sz="1400">
+                <a:solidFill>
+                  <a:srgbClr val="595959"/>
+                </a:solidFill>
+                <a:latin typeface="Lato"/>
+                <a:ea typeface="Lato"/>
+                <a:cs typeface="Lato"/>
+                <a:sym typeface="Lato"/>
+              </a:rPr>
+              <a:t>Inpatient records</a:t>
+            </a:r>
+            <a:r>
+              <a:rPr lang="en" sz="1400">
+                <a:solidFill>
+                  <a:srgbClr val="595959"/>
+                </a:solidFill>
+                <a:latin typeface="Lato"/>
+                <a:ea typeface="Lato"/>
+                <a:cs typeface="Lato"/>
+                <a:sym typeface="Lato"/>
+              </a:rPr>
+              <a:t>: over 40k records, includes patient/provider/ doctor IDs, date of claim, date of admission, diagnosis &amp;  procedure  code, cost/reimbursement, etc</a:t>
+            </a:r>
+            <a:endParaRPr sz="1400">
+              <a:solidFill>
+                <a:srgbClr val="595959"/>
+              </a:solidFill>
+              <a:latin typeface="Lato"/>
+              <a:ea typeface="Lato"/>
+              <a:cs typeface="Lato"/>
+              <a:sym typeface="Lato"/>
+            </a:endParaRPr>
+          </a:p>
+          <a:p>
+            <a:pPr indent="-317500" lvl="0" marL="457200" rtl="0" algn="l">
+              <a:lnSpc>
+                <a:spcPct val="115000"/>
+              </a:lnSpc>
+              <a:spcBef>
+                <a:spcPts val="0"/>
+              </a:spcBef>
+              <a:spcAft>
+                <a:spcPts val="0"/>
+              </a:spcAft>
+              <a:buClr>
+                <a:srgbClr val="595959"/>
+              </a:buClr>
+              <a:buSzPts val="1400"/>
+              <a:buFont typeface="Lato"/>
+              <a:buChar char="●"/>
+            </a:pPr>
+            <a:r>
+              <a:rPr b="1" lang="en" sz="1400">
+                <a:solidFill>
+                  <a:srgbClr val="595959"/>
+                </a:solidFill>
+                <a:latin typeface="Lato"/>
+                <a:ea typeface="Lato"/>
+                <a:cs typeface="Lato"/>
+                <a:sym typeface="Lato"/>
+              </a:rPr>
+              <a:t>Outpatient records</a:t>
+            </a:r>
+            <a:r>
+              <a:rPr lang="en" sz="1400">
+                <a:solidFill>
+                  <a:srgbClr val="595959"/>
+                </a:solidFill>
+                <a:latin typeface="Lato"/>
+                <a:ea typeface="Lato"/>
+                <a:cs typeface="Lato"/>
+                <a:sym typeface="Lato"/>
+              </a:rPr>
+              <a:t> had similar information without the admission details</a:t>
+            </a:r>
+            <a:endParaRPr sz="1400">
+              <a:solidFill>
+                <a:srgbClr val="595959"/>
+              </a:solidFill>
+              <a:latin typeface="Lato"/>
+              <a:ea typeface="Lato"/>
+              <a:cs typeface="Lato"/>
+              <a:sym typeface="Lato"/>
+            </a:endParaRPr>
+          </a:p>
+          <a:p>
+            <a:pPr indent="-317500" lvl="0" marL="457200" rtl="0" algn="l">
+              <a:lnSpc>
+                <a:spcPct val="115000"/>
+              </a:lnSpc>
+              <a:spcBef>
+                <a:spcPts val="0"/>
+              </a:spcBef>
+              <a:spcAft>
+                <a:spcPts val="0"/>
+              </a:spcAft>
+              <a:buClr>
+                <a:srgbClr val="595959"/>
+              </a:buClr>
+              <a:buSzPts val="1400"/>
+              <a:buFont typeface="Lato"/>
+              <a:buChar char="●"/>
+            </a:pPr>
+            <a:r>
+              <a:rPr b="1" lang="en" sz="1400">
+                <a:solidFill>
+                  <a:srgbClr val="595959"/>
+                </a:solidFill>
+                <a:latin typeface="Lato"/>
+                <a:ea typeface="Lato"/>
+                <a:cs typeface="Lato"/>
+                <a:sym typeface="Lato"/>
+              </a:rPr>
+              <a:t>Beneficiary records</a:t>
+            </a:r>
+            <a:r>
+              <a:rPr lang="en" sz="1400">
+                <a:solidFill>
+                  <a:srgbClr val="595959"/>
+                </a:solidFill>
+                <a:latin typeface="Lato"/>
+                <a:ea typeface="Lato"/>
+                <a:cs typeface="Lato"/>
+                <a:sym typeface="Lato"/>
+              </a:rPr>
+              <a:t>: over 130k patients with demographic &amp;  chronic conditions</a:t>
+            </a:r>
+            <a:endParaRPr sz="1400">
+              <a:solidFill>
+                <a:srgbClr val="595959"/>
+              </a:solidFill>
+              <a:latin typeface="Lato"/>
+              <a:ea typeface="Lato"/>
+              <a:cs typeface="Lato"/>
+              <a:sym typeface="Lato"/>
+            </a:endParaRPr>
+          </a:p>
+          <a:p>
+            <a:pPr indent="-317500" lvl="0" marL="457200" rtl="0" algn="l">
+              <a:lnSpc>
+                <a:spcPct val="115000"/>
+              </a:lnSpc>
+              <a:spcBef>
+                <a:spcPts val="0"/>
+              </a:spcBef>
+              <a:spcAft>
+                <a:spcPts val="0"/>
+              </a:spcAft>
+              <a:buClr>
+                <a:srgbClr val="595959"/>
+              </a:buClr>
+              <a:buSzPts val="1400"/>
+              <a:buFont typeface="Lato"/>
+              <a:buChar char="●"/>
+            </a:pPr>
+            <a:r>
+              <a:rPr b="1" lang="en" sz="1400">
+                <a:solidFill>
+                  <a:srgbClr val="595959"/>
+                </a:solidFill>
+                <a:latin typeface="Lato"/>
+                <a:ea typeface="Lato"/>
+                <a:cs typeface="Lato"/>
+                <a:sym typeface="Lato"/>
+              </a:rPr>
+              <a:t>Providers with fraudulent flags</a:t>
+            </a:r>
+            <a:r>
+              <a:rPr lang="en" sz="1400">
+                <a:solidFill>
+                  <a:srgbClr val="595959"/>
+                </a:solidFill>
+                <a:latin typeface="Lato"/>
+                <a:ea typeface="Lato"/>
+                <a:cs typeface="Lato"/>
+                <a:sym typeface="Lato"/>
+              </a:rPr>
+              <a:t>: list of all providers indicating potential fraud</a:t>
             </a:r>
             <a:endParaRPr/>
           </a:p>
@@ -1873,7 +2167,8 @@
               <a:buNone/>
             </a:pPr>
             <a:r>
-              <a:t/>
+              <a:rPr lang="en"/>
+              <a:t>Looking at these datasets, we find that Providers with fraudulent flags only made up about 9% of all providers. But these providers were responsible for a much higher share of the claims comparatively, especially within inpatient claims - we see that they’re responsible for over 50% of these claims.</a:t>
             </a:r>
             <a:endParaRPr/>
           </a:p>
@@ -1973,11 +2268,42 @@
             </a:pPr>
             <a:r>
               <a:rPr lang="en"/>
-              <a:t>In addition to distribution of patient claims, within each individual claim; providers that are flagged as fraud on avg make more diagnoses per claim, add more procedures per claim. With each diagnosis and procedure</a:t>
+              <a:t>In addition to distribution of patient claims, Looking at within each individual claim; providers that are flagged as fraud on avg make more diagnoses per claim, add more procedures per claim (so this may be indicative of signs of phantom billing or upcoding where patients are billed for a service they didnt receive). With more diagnosis and procedures billed per claim</a:t>
             </a:r>
             <a:r>
               <a:rPr lang="en"/>
-              <a:t>, it is clear that the claims associated with potentially fraudulent providers are costly to both insurers and patients, with higher average claim reimbursements.</a:t>
+              <a:t>, we can see the financial impact is then also higher for these potentially fraudulent providers - their average claim reimbursements are about twice as high compared to non fraudulent providers.</a:t>
+            </a:r>
+            <a:endParaRPr/>
+          </a:p>
+          <a:p>
+            <a:pPr indent="0" lvl="0" marL="0" rtl="0" algn="l">
+              <a:spcBef>
+                <a:spcPts val="0"/>
+              </a:spcBef>
+              <a:spcAft>
+                <a:spcPts val="0"/>
+              </a:spcAft>
+              <a:buNone/>
+            </a:pPr>
+            <a:r>
+              <a:t/>
+            </a:r>
+            <a:endParaRPr/>
+          </a:p>
+          <a:p>
+            <a:pPr indent="0" lvl="0" marL="0" rtl="0" algn="l">
+              <a:spcBef>
+                <a:spcPts val="0"/>
+              </a:spcBef>
+              <a:spcAft>
+                <a:spcPts val="0"/>
+              </a:spcAft>
+              <a:buNone/>
+            </a:pPr>
+            <a:r>
+              <a:rPr lang="en"/>
+              <a:t>These tables combine inpatient and outpatient data - so these are all aggregate means</a:t>
             </a:r>
             <a:endParaRPr/>
           </a:p>
@@ -2239,7 +2565,7 @@
             </a:pPr>
             <a:r>
               <a:rPr lang="en"/>
-              <a:t>So we know that on avg, fraud providers file higher reimbursement per claim, processing more diagnosis codes and procedures codes. Inpatient claims were especially higher, so did that mean longer hospital stays?</a:t>
+              <a:t>So we know that on avg, fraud providers file higher reimbursement per claim, processing more diagnosis codes and procedures codes. Inpatient claims were especially higher, so I wanted to see if that was due to longer hospital stays?</a:t>
             </a:r>
             <a:endParaRPr/>
           </a:p>
@@ -2270,7 +2596,7 @@
             </a:pPr>
             <a:r>
               <a:rPr lang="en"/>
-              <a:t>The next metric I looked at was # of days admitted. I wanted to see if there was any visible difference between fraud and non fraud providers - to see if they were either falsifying the # of days patients were hospitalized.</a:t>
+              <a:t>The next metric I looked at was # of days admitted. I wanted to see if there was any visible difference between fraud and non fraud providers - to see if there was any indication that they were either falsifying the # of days patients were hospitalized or keeping patients there longer to increase billing and reimbursements</a:t>
             </a:r>
             <a:endParaRPr/>
           </a:p>
@@ -2301,7 +2627,7 @@
             </a:pPr>
             <a:r>
               <a:rPr lang="en"/>
-              <a:t>This view is split up to compare age groups younger than 65 and older than 65. In either cases, there doesnt seem to be a significant difference amongst the avg # of days admitted between fraud and non fraud providers.</a:t>
+              <a:t>This view is split up to compare age groups younger than 65 and older than 65 with a boxplot and barchart and In either cases, there doesnt seem to be a significant difference amongst the avg # of days admitted between fraud and non fraud providers overall or within the elderly population.</a:t>
             </a:r>
             <a:endParaRPr/>
           </a:p>
@@ -2401,7 +2727,7 @@
             </a:pPr>
             <a:r>
               <a:rPr lang="en"/>
-              <a:t>Next, I wanted to see if fraud providers target older patients, by either duplicating their claims or faking their data - and if so, there would be higher distribution of older patients for these fraud providers.</a:t>
+              <a:t>Next, I wanted to see if fraud providers target older patients, by either duplicating their claims or faking their data - and if so, there would be higher distribution of older patients claims for these fraud providers.</a:t>
             </a:r>
             <a:endParaRPr/>
           </a:p>
@@ -2479,11 +2805,20 @@
               <a:spcAft>
                 <a:spcPts val="0"/>
               </a:spcAft>
+              <a:buClr>
+                <a:schemeClr val="dk1"/>
+              </a:buClr>
+              <a:buSzPts val="1100"/>
+              <a:buFont typeface="Arial"/>
               <a:buNone/>
             </a:pPr>
             <a:r>
-              <a:rPr lang="en"/>
-              <a:t>What’s more interesting is thought the # of Patients, have a very large # of patients seems to be an indicator of fraud here.</a:t>
+              <a:rPr lang="en">
+                <a:solidFill>
+                  <a:schemeClr val="dk1"/>
+                </a:solidFill>
+              </a:rPr>
+              <a:t>Aside from having a higher proportion of older patients, the strong indicator seems to be overall volume # of Patients, The more patients a provider has seems to be an indicator of fraud here.</a:t>
             </a:r>
             <a:endParaRPr/>
           </a:p>
@@ -9743,7 +10078,7 @@
         </p:spPr>
         <p:txBody>
           <a:bodyPr anchorCtr="0" anchor="t" bIns="91425" lIns="91425" spcFirstLastPara="1" rIns="91425" wrap="square" tIns="91425">
-            <a:normAutofit fontScale="77500" lnSpcReduction="20000"/>
+            <a:normAutofit fontScale="55000" lnSpcReduction="20000"/>
           </a:bodyPr>
           <a:lstStyle/>
           <a:p>
@@ -9759,6 +10094,21 @@
             <a:r>
               <a:rPr lang="en"/>
               <a:t>Exploratory Data Analysis</a:t>
+            </a:r>
+            <a:endParaRPr/>
+          </a:p>
+          <a:p>
+            <a:pPr indent="0" lvl="0" marL="0" rtl="0" algn="l">
+              <a:spcBef>
+                <a:spcPts val="0"/>
+              </a:spcBef>
+              <a:spcAft>
+                <a:spcPts val="0"/>
+              </a:spcAft>
+              <a:buNone/>
+            </a:pPr>
+            <a:r>
+              <a:t/>
             </a:r>
             <a:endParaRPr/>
           </a:p>
@@ -10127,10 +10477,10 @@
               <a:buNone/>
             </a:pPr>
             <a:r>
-              <a:rPr lang="en"/>
+              <a:rPr lang="en" sz="2550"/>
               <a:t>Provider Trends: Signs of Duplicate Claims</a:t>
             </a:r>
-            <a:endParaRPr/>
+            <a:endParaRPr sz="1550"/>
           </a:p>
         </p:txBody>
       </p:sp>
@@ -10577,7 +10927,7 @@
               <a:buNone/>
             </a:pPr>
             <a:r>
-              <a:rPr lang="en">
+              <a:rPr b="1" lang="en">
                 <a:solidFill>
                   <a:srgbClr val="020202"/>
                 </a:solidFill>
@@ -10591,7 +10941,7 @@
               </a:rPr>
               <a:t>Next Steps:</a:t>
             </a:r>
-            <a:endParaRPr>
+            <a:endParaRPr b="1">
               <a:solidFill>
                 <a:srgbClr val="020202"/>
               </a:solidFill>
@@ -10627,7 +10977,7 @@
                 <a:cs typeface="Open Sans"/>
                 <a:sym typeface="Open Sans"/>
               </a:rPr>
-              <a:t>Explore more variables, diagnosis code, more detailed demographic information to identify how providers may duplicate claims, based on certain characteristic thresholds; help insurance companies &amp; patients for better awareness and ability to spot fraudulent activity</a:t>
+              <a:t>Explore more variables, diagnosis code to identify how providers may duplicate or upcode claims, identify characteristic thresholds; help insurance companies &amp; patients for better awareness and ability to spot fraudulent activity</a:t>
             </a:r>
             <a:endParaRPr>
               <a:solidFill>
@@ -11295,7 +11645,7 @@
                 <a:cs typeface="Raleway"/>
                 <a:sym typeface="Raleway"/>
               </a:rPr>
-              <a:t>Phantom billing:</a:t>
+              <a:t>Unbundling:</a:t>
             </a:r>
             <a:r>
               <a:rPr lang="en" sz="1400">
@@ -11310,7 +11660,7 @@
                 <a:cs typeface="Raleway"/>
                 <a:sym typeface="Raleway"/>
               </a:rPr>
-              <a:t> Billing for a service visit or supplies the patient never received</a:t>
+              <a:t> Submitting multiple bills for the same service</a:t>
             </a:r>
             <a:endParaRPr sz="1400">
               <a:solidFill>
@@ -11353,7 +11703,7 @@
                 <a:cs typeface="Raleway"/>
                 <a:sym typeface="Raleway"/>
               </a:rPr>
-              <a:t>Unbundling:</a:t>
+              <a:t>Phantom billing:</a:t>
             </a:r>
             <a:r>
               <a:rPr lang="en" sz="1400">
@@ -11368,7 +11718,7 @@
                 <a:cs typeface="Raleway"/>
                 <a:sym typeface="Raleway"/>
               </a:rPr>
-              <a:t> Submitting multiple bills for the same service</a:t>
+              <a:t> Billing for a service visit or supplies the patient never received</a:t>
             </a:r>
             <a:endParaRPr sz="1400">
               <a:solidFill>
@@ -11544,7 +11894,7 @@
             </a:r>
             <a:r>
               <a:rPr lang="en" sz="1400"/>
-              <a:t>: over 40k records, includes  doctor IDs, provider IDs (clinic/hospital IDs), date of claim, date of admission, diagnosis codes, procedure  code, cost/reimbursement, etc</a:t>
+              <a:t>: over 40k records, includes patient/provider/ doctor IDs, date of claim, date of admission, diagnosis &amp;  procedure  code, cost/reimbursement, etc</a:t>
             </a:r>
             <a:endParaRPr sz="1400"/>
           </a:p>
@@ -12508,6 +12858,285 @@
 </file>
 
 <file path=ppt/theme/theme1.xml><?xml version="1.0" encoding="utf-8"?>
+<a:theme xmlns:a="http://schemas.openxmlformats.org/drawingml/2006/main" xmlns:r="http://schemas.openxmlformats.org/officeDocument/2006/relationships">
+  <a:themeElements>
+    <a:clrScheme name="Default">
+      <a:dk1>
+        <a:srgbClr val="000000"/>
+      </a:dk1>
+      <a:lt1>
+        <a:srgbClr val="FFFFFF"/>
+      </a:lt1>
+      <a:dk2>
+        <a:srgbClr val="158158"/>
+      </a:dk2>
+      <a:lt2>
+        <a:srgbClr val="F3F3F3"/>
+      </a:lt2>
+      <a:accent1>
+        <a:srgbClr val="058DC7"/>
+      </a:accent1>
+      <a:accent2>
+        <a:srgbClr val="50B432"/>
+      </a:accent2>
+      <a:accent3>
+        <a:srgbClr val="ED561B"/>
+      </a:accent3>
+      <a:accent4>
+        <a:srgbClr val="EDEF00"/>
+      </a:accent4>
+      <a:accent5>
+        <a:srgbClr val="24CBE5"/>
+      </a:accent5>
+      <a:accent6>
+        <a:srgbClr val="64E572"/>
+      </a:accent6>
+      <a:hlink>
+        <a:srgbClr val="2200CC"/>
+      </a:hlink>
+      <a:folHlink>
+        <a:srgbClr val="551A8B"/>
+      </a:folHlink>
+    </a:clrScheme>
+    <a:fontScheme name="Office">
+      <a:majorFont>
+        <a:latin typeface="Arial"/>
+        <a:ea typeface=""/>
+        <a:cs typeface=""/>
+        <a:font script="Jpan" typeface="ＭＳ Ｐゴシック"/>
+        <a:font script="Hang" typeface="맑은 고딕"/>
+        <a:font script="Hans" typeface="宋体"/>
+        <a:font script="Hant" typeface="新細明體"/>
+        <a:font script="Arab" typeface="Times New Roman"/>
+        <a:font script="Hebr" typeface="Times New Roman"/>
+        <a:font script="Thai" typeface="Angsana New"/>
+        <a:font script="Ethi" typeface="Nyala"/>
+        <a:font script="Beng" typeface="Vrinda"/>
+        <a:font script="Gujr" typeface="Shruti"/>
+        <a:font script="Khmr" typeface="MoolBoran"/>
+        <a:font script="Knda" typeface="Tunga"/>
+        <a:font script="Guru" typeface="Raavi"/>
+        <a:font script="Cans" typeface="Euphemia"/>
+        <a:font script="Cher" typeface="Plantagenet Cherokee"/>
+        <a:font script="Yiii" typeface="Microsoft Yi Baiti"/>
+        <a:font script="Tibt" typeface="Microsoft Himalaya"/>
+        <a:font script="Thaa" typeface="MV Boli"/>
+        <a:font script="Deva" typeface="Mangal"/>
+        <a:font script="Telu" typeface="Gautami"/>
+        <a:font script="Taml" typeface="Latha"/>
+        <a:font script="Syrc" typeface="Estrangelo Edessa"/>
+        <a:font script="Orya" typeface="Kalinga"/>
+        <a:font script="Mlym" typeface="Kartika"/>
+        <a:font script="Laoo" typeface="DokChampa"/>
+        <a:font script="Sinh" typeface="Iskoola Pota"/>
+        <a:font script="Mong" typeface="Mongolian Baiti"/>
+        <a:font script="Viet" typeface="Times New Roman"/>
+        <a:font script="Uigh" typeface="Microsoft Uighur"/>
+        <a:font script="Geor" typeface="Sylfaen"/>
+      </a:majorFont>
+      <a:minorFont>
+        <a:latin typeface="Arial"/>
+        <a:ea typeface=""/>
+        <a:cs typeface=""/>
+        <a:font script="Jpan" typeface="ＭＳ Ｐゴシック"/>
+        <a:font script="Hang" typeface="맑은 고딕"/>
+        <a:font script="Hans" typeface="宋体"/>
+        <a:font script="Hant" typeface="新細明體"/>
+        <a:font script="Arab" typeface="Arial"/>
+        <a:font script="Hebr" typeface="Arial"/>
+        <a:font script="Thai" typeface="Cordia New"/>
+        <a:font script="Ethi" typeface="Nyala"/>
+        <a:font script="Beng" typeface="Vrinda"/>
+        <a:font script="Gujr" typeface="Shruti"/>
+        <a:font script="Khmr" typeface="DaunPenh"/>
+        <a:font script="Knda" typeface="Tunga"/>
+        <a:font script="Guru" typeface="Raavi"/>
+        <a:font script="Cans" typeface="Euphemia"/>
+        <a:font script="Cher" typeface="Plantagenet Cherokee"/>
+        <a:font script="Yiii" typeface="Microsoft Yi Baiti"/>
+        <a:font script="Tibt" typeface="Microsoft Himalaya"/>
+        <a:font script="Thaa" typeface="MV Boli"/>
+        <a:font script="Deva" typeface="Mangal"/>
+        <a:font script="Telu" typeface="Gautami"/>
+        <a:font script="Taml" typeface="Latha"/>
+        <a:font script="Syrc" typeface="Estrangelo Edessa"/>
+        <a:font script="Orya" typeface="Kalinga"/>
+        <a:font script="Mlym" typeface="Kartika"/>
+        <a:font script="Laoo" typeface="DokChampa"/>
+        <a:font script="Sinh" typeface="Iskoola Pota"/>
+        <a:font script="Mong" typeface="Mongolian Baiti"/>
+        <a:font script="Viet" typeface="Arial"/>
+        <a:font script="Uigh" typeface="Microsoft Uighur"/>
+        <a:font script="Geor" typeface="Sylfaen"/>
+      </a:minorFont>
+    </a:fontScheme>
+    <a:fmtScheme name="Office">
+      <a:fillStyleLst>
+        <a:solidFill>
+          <a:schemeClr val="phClr"/>
+        </a:solidFill>
+        <a:gradFill rotWithShape="1">
+          <a:gsLst>
+            <a:gs pos="0">
+              <a:schemeClr val="phClr">
+                <a:tint val="50000"/>
+                <a:satMod val="300000"/>
+              </a:schemeClr>
+            </a:gs>
+            <a:gs pos="35000">
+              <a:schemeClr val="phClr">
+                <a:tint val="37000"/>
+                <a:satMod val="300000"/>
+              </a:schemeClr>
+            </a:gs>
+            <a:gs pos="100000">
+              <a:schemeClr val="phClr">
+                <a:tint val="15000"/>
+                <a:satMod val="350000"/>
+              </a:schemeClr>
+            </a:gs>
+          </a:gsLst>
+          <a:lin ang="16200000" scaled="1"/>
+        </a:gradFill>
+        <a:gradFill rotWithShape="1">
+          <a:gsLst>
+            <a:gs pos="0">
+              <a:schemeClr val="phClr">
+                <a:tint val="100000"/>
+                <a:shade val="100000"/>
+                <a:satMod val="130000"/>
+              </a:schemeClr>
+            </a:gs>
+            <a:gs pos="100000">
+              <a:schemeClr val="phClr">
+                <a:tint val="50000"/>
+                <a:shade val="100000"/>
+                <a:satMod val="350000"/>
+              </a:schemeClr>
+            </a:gs>
+          </a:gsLst>
+          <a:lin ang="16200000" scaled="0"/>
+        </a:gradFill>
+      </a:fillStyleLst>
+      <a:lnStyleLst>
+        <a:ln w="9525" cap="flat" cmpd="sng" algn="ctr">
+          <a:solidFill>
+            <a:schemeClr val="phClr">
+              <a:shade val="95000"/>
+              <a:satMod val="105000"/>
+            </a:schemeClr>
+          </a:solidFill>
+          <a:prstDash val="solid"/>
+        </a:ln>
+        <a:ln w="25400" cap="flat" cmpd="sng" algn="ctr">
+          <a:solidFill>
+            <a:schemeClr val="phClr"/>
+          </a:solidFill>
+          <a:prstDash val="solid"/>
+        </a:ln>
+        <a:ln w="38100" cap="flat" cmpd="sng" algn="ctr">
+          <a:solidFill>
+            <a:schemeClr val="phClr"/>
+          </a:solidFill>
+          <a:prstDash val="solid"/>
+        </a:ln>
+      </a:lnStyleLst>
+      <a:effectStyleLst>
+        <a:effectStyle>
+          <a:effectLst>
+            <a:outerShdw blurRad="40000" dist="20000" dir="5400000" rotWithShape="0">
+              <a:srgbClr val="000000">
+                <a:alpha val="38000"/>
+              </a:srgbClr>
+            </a:outerShdw>
+          </a:effectLst>
+        </a:effectStyle>
+        <a:effectStyle>
+          <a:effectLst>
+            <a:outerShdw blurRad="40000" dist="23000" dir="5400000" rotWithShape="0">
+              <a:srgbClr val="000000">
+                <a:alpha val="35000"/>
+              </a:srgbClr>
+            </a:outerShdw>
+          </a:effectLst>
+        </a:effectStyle>
+        <a:effectStyle>
+          <a:effectLst>
+            <a:outerShdw blurRad="40000" dist="23000" dir="5400000" rotWithShape="0">
+              <a:srgbClr val="000000">
+                <a:alpha val="35000"/>
+              </a:srgbClr>
+            </a:outerShdw>
+          </a:effectLst>
+          <a:scene3d>
+            <a:camera prst="orthographicFront">
+              <a:rot lat="0" lon="0" rev="0"/>
+            </a:camera>
+            <a:lightRig rig="threePt" dir="t">
+              <a:rot lat="0" lon="0" rev="1200000"/>
+            </a:lightRig>
+          </a:scene3d>
+          <a:sp3d>
+            <a:bevelT w="63500" h="25400"/>
+          </a:sp3d>
+        </a:effectStyle>
+      </a:effectStyleLst>
+      <a:bgFillStyleLst>
+        <a:solidFill>
+          <a:schemeClr val="phClr"/>
+        </a:solidFill>
+        <a:gradFill rotWithShape="1">
+          <a:gsLst>
+            <a:gs pos="0">
+              <a:schemeClr val="phClr">
+                <a:tint val="40000"/>
+                <a:satMod val="350000"/>
+              </a:schemeClr>
+            </a:gs>
+            <a:gs pos="40000">
+              <a:schemeClr val="phClr">
+                <a:tint val="45000"/>
+                <a:shade val="99000"/>
+                <a:satMod val="350000"/>
+              </a:schemeClr>
+            </a:gs>
+            <a:gs pos="100000">
+              <a:schemeClr val="phClr">
+                <a:shade val="20000"/>
+                <a:satMod val="255000"/>
+              </a:schemeClr>
+            </a:gs>
+          </a:gsLst>
+          <a:path path="circle">
+            <a:fillToRect l="50000" t="-80000" r="50000" b="180000"/>
+          </a:path>
+        </a:gradFill>
+        <a:gradFill rotWithShape="1">
+          <a:gsLst>
+            <a:gs pos="0">
+              <a:schemeClr val="phClr">
+                <a:tint val="80000"/>
+                <a:satMod val="300000"/>
+              </a:schemeClr>
+            </a:gs>
+            <a:gs pos="100000">
+              <a:schemeClr val="phClr">
+                <a:shade val="30000"/>
+                <a:satMod val="200000"/>
+              </a:schemeClr>
+            </a:gs>
+          </a:gsLst>
+          <a:path path="circle">
+            <a:fillToRect l="50000" t="50000" r="50000" b="50000"/>
+          </a:path>
+        </a:gradFill>
+      </a:bgFillStyleLst>
+    </a:fmtScheme>
+  </a:themeElements>
+</a:theme>
+</file>
+
+<file path=ppt/theme/theme2.xml><?xml version="1.0" encoding="utf-8"?>
 <a:theme xmlns:a="http://schemas.openxmlformats.org/drawingml/2006/main" xmlns:r="http://schemas.openxmlformats.org/officeDocument/2006/relationships" name="Streamline">
   <a:themeElements>
     <a:clrScheme name="Streamline">
@@ -12784,283 +13413,4 @@
     </a:fmtScheme>
   </a:themeElements>
 </a:theme>
-</file>
-
-<file path=ppt/theme/theme2.xml><?xml version="1.0" encoding="utf-8"?>
-<a:theme xmlns:a="http://schemas.openxmlformats.org/drawingml/2006/main" xmlns:r="http://schemas.openxmlformats.org/officeDocument/2006/relationships">
-  <a:themeElements>
-    <a:clrScheme name="Default">
-      <a:dk1>
-        <a:srgbClr val="000000"/>
-      </a:dk1>
-      <a:lt1>
-        <a:srgbClr val="FFFFFF"/>
-      </a:lt1>
-      <a:dk2>
-        <a:srgbClr val="158158"/>
-      </a:dk2>
-      <a:lt2>
-        <a:srgbClr val="F3F3F3"/>
-      </a:lt2>
-      <a:accent1>
-        <a:srgbClr val="058DC7"/>
-      </a:accent1>
-      <a:accent2>
-        <a:srgbClr val="50B432"/>
-      </a:accent2>
-      <a:accent3>
-        <a:srgbClr val="ED561B"/>
-      </a:accent3>
-      <a:accent4>
-        <a:srgbClr val="EDEF00"/>
-      </a:accent4>
-      <a:accent5>
-        <a:srgbClr val="24CBE5"/>
-      </a:accent5>
-      <a:accent6>
-        <a:srgbClr val="64E572"/>
-      </a:accent6>
-      <a:hlink>
-        <a:srgbClr val="2200CC"/>
-      </a:hlink>
-      <a:folHlink>
-        <a:srgbClr val="551A8B"/>
-      </a:folHlink>
-    </a:clrScheme>
-    <a:fontScheme name="Office">
-      <a:majorFont>
-        <a:latin typeface="Arial"/>
-        <a:ea typeface=""/>
-        <a:cs typeface=""/>
-        <a:font script="Jpan" typeface="ＭＳ Ｐゴシック"/>
-        <a:font script="Hang" typeface="맑은 고딕"/>
-        <a:font script="Hans" typeface="宋体"/>
-        <a:font script="Hant" typeface="新細明體"/>
-        <a:font script="Arab" typeface="Times New Roman"/>
-        <a:font script="Hebr" typeface="Times New Roman"/>
-        <a:font script="Thai" typeface="Angsana New"/>
-        <a:font script="Ethi" typeface="Nyala"/>
-        <a:font script="Beng" typeface="Vrinda"/>
-        <a:font script="Gujr" typeface="Shruti"/>
-        <a:font script="Khmr" typeface="MoolBoran"/>
-        <a:font script="Knda" typeface="Tunga"/>
-        <a:font script="Guru" typeface="Raavi"/>
-        <a:font script="Cans" typeface="Euphemia"/>
-        <a:font script="Cher" typeface="Plantagenet Cherokee"/>
-        <a:font script="Yiii" typeface="Microsoft Yi Baiti"/>
-        <a:font script="Tibt" typeface="Microsoft Himalaya"/>
-        <a:font script="Thaa" typeface="MV Boli"/>
-        <a:font script="Deva" typeface="Mangal"/>
-        <a:font script="Telu" typeface="Gautami"/>
-        <a:font script="Taml" typeface="Latha"/>
-        <a:font script="Syrc" typeface="Estrangelo Edessa"/>
-        <a:font script="Orya" typeface="Kalinga"/>
-        <a:font script="Mlym" typeface="Kartika"/>
-        <a:font script="Laoo" typeface="DokChampa"/>
-        <a:font script="Sinh" typeface="Iskoola Pota"/>
-        <a:font script="Mong" typeface="Mongolian Baiti"/>
-        <a:font script="Viet" typeface="Times New Roman"/>
-        <a:font script="Uigh" typeface="Microsoft Uighur"/>
-        <a:font script="Geor" typeface="Sylfaen"/>
-      </a:majorFont>
-      <a:minorFont>
-        <a:latin typeface="Arial"/>
-        <a:ea typeface=""/>
-        <a:cs typeface=""/>
-        <a:font script="Jpan" typeface="ＭＳ Ｐゴシック"/>
-        <a:font script="Hang" typeface="맑은 고딕"/>
-        <a:font script="Hans" typeface="宋体"/>
-        <a:font script="Hant" typeface="新細明體"/>
-        <a:font script="Arab" typeface="Arial"/>
-        <a:font script="Hebr" typeface="Arial"/>
-        <a:font script="Thai" typeface="Cordia New"/>
-        <a:font script="Ethi" typeface="Nyala"/>
-        <a:font script="Beng" typeface="Vrinda"/>
-        <a:font script="Gujr" typeface="Shruti"/>
-        <a:font script="Khmr" typeface="DaunPenh"/>
-        <a:font script="Knda" typeface="Tunga"/>
-        <a:font script="Guru" typeface="Raavi"/>
-        <a:font script="Cans" typeface="Euphemia"/>
-        <a:font script="Cher" typeface="Plantagenet Cherokee"/>
-        <a:font script="Yiii" typeface="Microsoft Yi Baiti"/>
-        <a:font script="Tibt" typeface="Microsoft Himalaya"/>
-        <a:font script="Thaa" typeface="MV Boli"/>
-        <a:font script="Deva" typeface="Mangal"/>
-        <a:font script="Telu" typeface="Gautami"/>
-        <a:font script="Taml" typeface="Latha"/>
-        <a:font script="Syrc" typeface="Estrangelo Edessa"/>
-        <a:font script="Orya" typeface="Kalinga"/>
-        <a:font script="Mlym" typeface="Kartika"/>
-        <a:font script="Laoo" typeface="DokChampa"/>
-        <a:font script="Sinh" typeface="Iskoola Pota"/>
-        <a:font script="Mong" typeface="Mongolian Baiti"/>
-        <a:font script="Viet" typeface="Arial"/>
-        <a:font script="Uigh" typeface="Microsoft Uighur"/>
-        <a:font script="Geor" typeface="Sylfaen"/>
-      </a:minorFont>
-    </a:fontScheme>
-    <a:fmtScheme name="Office">
-      <a:fillStyleLst>
-        <a:solidFill>
-          <a:schemeClr val="phClr"/>
-        </a:solidFill>
-        <a:gradFill rotWithShape="1">
-          <a:gsLst>
-            <a:gs pos="0">
-              <a:schemeClr val="phClr">
-                <a:tint val="50000"/>
-                <a:satMod val="300000"/>
-              </a:schemeClr>
-            </a:gs>
-            <a:gs pos="35000">
-              <a:schemeClr val="phClr">
-                <a:tint val="37000"/>
-                <a:satMod val="300000"/>
-              </a:schemeClr>
-            </a:gs>
-            <a:gs pos="100000">
-              <a:schemeClr val="phClr">
-                <a:tint val="15000"/>
-                <a:satMod val="350000"/>
-              </a:schemeClr>
-            </a:gs>
-          </a:gsLst>
-          <a:lin ang="16200000" scaled="1"/>
-        </a:gradFill>
-        <a:gradFill rotWithShape="1">
-          <a:gsLst>
-            <a:gs pos="0">
-              <a:schemeClr val="phClr">
-                <a:tint val="100000"/>
-                <a:shade val="100000"/>
-                <a:satMod val="130000"/>
-              </a:schemeClr>
-            </a:gs>
-            <a:gs pos="100000">
-              <a:schemeClr val="phClr">
-                <a:tint val="50000"/>
-                <a:shade val="100000"/>
-                <a:satMod val="350000"/>
-              </a:schemeClr>
-            </a:gs>
-          </a:gsLst>
-          <a:lin ang="16200000" scaled="0"/>
-        </a:gradFill>
-      </a:fillStyleLst>
-      <a:lnStyleLst>
-        <a:ln w="9525" cap="flat" cmpd="sng" algn="ctr">
-          <a:solidFill>
-            <a:schemeClr val="phClr">
-              <a:shade val="95000"/>
-              <a:satMod val="105000"/>
-            </a:schemeClr>
-          </a:solidFill>
-          <a:prstDash val="solid"/>
-        </a:ln>
-        <a:ln w="25400" cap="flat" cmpd="sng" algn="ctr">
-          <a:solidFill>
-            <a:schemeClr val="phClr"/>
-          </a:solidFill>
-          <a:prstDash val="solid"/>
-        </a:ln>
-        <a:ln w="38100" cap="flat" cmpd="sng" algn="ctr">
-          <a:solidFill>
-            <a:schemeClr val="phClr"/>
-          </a:solidFill>
-          <a:prstDash val="solid"/>
-        </a:ln>
-      </a:lnStyleLst>
-      <a:effectStyleLst>
-        <a:effectStyle>
-          <a:effectLst>
-            <a:outerShdw blurRad="40000" dist="20000" dir="5400000" rotWithShape="0">
-              <a:srgbClr val="000000">
-                <a:alpha val="38000"/>
-              </a:srgbClr>
-            </a:outerShdw>
-          </a:effectLst>
-        </a:effectStyle>
-        <a:effectStyle>
-          <a:effectLst>
-            <a:outerShdw blurRad="40000" dist="23000" dir="5400000" rotWithShape="0">
-              <a:srgbClr val="000000">
-                <a:alpha val="35000"/>
-              </a:srgbClr>
-            </a:outerShdw>
-          </a:effectLst>
-        </a:effectStyle>
-        <a:effectStyle>
-          <a:effectLst>
-            <a:outerShdw blurRad="40000" dist="23000" dir="5400000" rotWithShape="0">
-              <a:srgbClr val="000000">
-                <a:alpha val="35000"/>
-              </a:srgbClr>
-            </a:outerShdw>
-          </a:effectLst>
-          <a:scene3d>
-            <a:camera prst="orthographicFront">
-              <a:rot lat="0" lon="0" rev="0"/>
-            </a:camera>
-            <a:lightRig rig="threePt" dir="t">
-              <a:rot lat="0" lon="0" rev="1200000"/>
-            </a:lightRig>
-          </a:scene3d>
-          <a:sp3d>
-            <a:bevelT w="63500" h="25400"/>
-          </a:sp3d>
-        </a:effectStyle>
-      </a:effectStyleLst>
-      <a:bgFillStyleLst>
-        <a:solidFill>
-          <a:schemeClr val="phClr"/>
-        </a:solidFill>
-        <a:gradFill rotWithShape="1">
-          <a:gsLst>
-            <a:gs pos="0">
-              <a:schemeClr val="phClr">
-                <a:tint val="40000"/>
-                <a:satMod val="350000"/>
-              </a:schemeClr>
-            </a:gs>
-            <a:gs pos="40000">
-              <a:schemeClr val="phClr">
-                <a:tint val="45000"/>
-                <a:shade val="99000"/>
-                <a:satMod val="350000"/>
-              </a:schemeClr>
-            </a:gs>
-            <a:gs pos="100000">
-              <a:schemeClr val="phClr">
-                <a:shade val="20000"/>
-                <a:satMod val="255000"/>
-              </a:schemeClr>
-            </a:gs>
-          </a:gsLst>
-          <a:path path="circle">
-            <a:fillToRect l="50000" t="-80000" r="50000" b="180000"/>
-          </a:path>
-        </a:gradFill>
-        <a:gradFill rotWithShape="1">
-          <a:gsLst>
-            <a:gs pos="0">
-              <a:schemeClr val="phClr">
-                <a:tint val="80000"/>
-                <a:satMod val="300000"/>
-              </a:schemeClr>
-            </a:gs>
-            <a:gs pos="100000">
-              <a:schemeClr val="phClr">
-                <a:shade val="30000"/>
-                <a:satMod val="200000"/>
-              </a:schemeClr>
-            </a:gs>
-          </a:gsLst>
-          <a:path path="circle">
-            <a:fillToRect l="50000" t="50000" r="50000" b="50000"/>
-          </a:path>
-        </a:gradFill>
-      </a:bgFillStyleLst>
-    </a:fmtScheme>
-  </a:themeElements>
-</a:theme>
 </file>